--- a/ApresentaçãoAPS.pptx
+++ b/ApresentaçãoAPS.pptx
@@ -111,6 +111,11 @@
       </a:defRPr>
     </a:lvl9pPr>
   </p:defaultTextStyle>
+  <p:extLst>
+    <p:ext uri="{EFAFB233-063F-42B5-8137-9DF3F51BA10A}">
+      <p15:sldGuideLst xmlns:p15="http://schemas.microsoft.com/office/powerpoint/2012/main"/>
+    </p:ext>
+  </p:extLst>
 </p:presentation>
 </file>
 
@@ -284,7 +289,7 @@
             <a:fld id="{87DE6118-2437-4B30-8E3C-4D2BE6020583}" type="datetimeFigureOut">
               <a:rPr lang="en-US" dirty="0"/>
               <a:pPr/>
-              <a:t>6/13/20</a:t>
+              <a:t>6/15/20</a:t>
             </a:fld>
             <a:endParaRPr lang="en-US" dirty="0"/>
           </a:p>
@@ -610,7 +615,7 @@
           <a:p>
             <a:fld id="{87DE6118-2437-4B30-8E3C-4D2BE6020583}" type="datetimeFigureOut">
               <a:rPr lang="en-US" dirty="0"/>
-              <a:t>6/13/20</a:t>
+              <a:t>6/15/20</a:t>
             </a:fld>
             <a:endParaRPr lang="en-US" dirty="0"/>
           </a:p>
@@ -785,7 +790,7 @@
           <a:p>
             <a:fld id="{87DE6118-2437-4B30-8E3C-4D2BE6020583}" type="datetimeFigureOut">
               <a:rPr lang="en-US" dirty="0"/>
-              <a:t>6/13/20</a:t>
+              <a:t>6/15/20</a:t>
             </a:fld>
             <a:endParaRPr lang="en-US" dirty="0"/>
           </a:p>
@@ -950,7 +955,7 @@
           <a:p>
             <a:fld id="{87DE6118-2437-4B30-8E3C-4D2BE6020583}" type="datetimeFigureOut">
               <a:rPr lang="en-US" dirty="0"/>
-              <a:t>6/13/20</a:t>
+              <a:t>6/15/20</a:t>
             </a:fld>
             <a:endParaRPr lang="en-US" dirty="0"/>
           </a:p>
@@ -1223,7 +1228,7 @@
             <a:fld id="{87DE6118-2437-4B30-8E3C-4D2BE6020583}" type="datetimeFigureOut">
               <a:rPr lang="en-US" dirty="0"/>
               <a:pPr/>
-              <a:t>6/13/20</a:t>
+              <a:t>6/15/20</a:t>
             </a:fld>
             <a:endParaRPr lang="en-US" dirty="0"/>
           </a:p>
@@ -1613,7 +1618,7 @@
           <a:p>
             <a:fld id="{87DE6118-2437-4B30-8E3C-4D2BE6020583}" type="datetimeFigureOut">
               <a:rPr lang="en-US" dirty="0"/>
-              <a:t>6/13/20</a:t>
+              <a:t>6/15/20</a:t>
             </a:fld>
             <a:endParaRPr lang="en-US" dirty="0"/>
           </a:p>
@@ -2085,7 +2090,7 @@
           <a:p>
             <a:fld id="{87DE6118-2437-4B30-8E3C-4D2BE6020583}" type="datetimeFigureOut">
               <a:rPr lang="en-US" dirty="0"/>
-              <a:t>6/13/20</a:t>
+              <a:t>6/15/20</a:t>
             </a:fld>
             <a:endParaRPr lang="en-US" dirty="0"/>
           </a:p>
@@ -2198,7 +2203,7 @@
           <a:p>
             <a:fld id="{87DE6118-2437-4B30-8E3C-4D2BE6020583}" type="datetimeFigureOut">
               <a:rPr lang="en-US" dirty="0"/>
-              <a:t>6/13/20</a:t>
+              <a:t>6/15/20</a:t>
             </a:fld>
             <a:endParaRPr lang="en-US" dirty="0"/>
           </a:p>
@@ -2288,7 +2293,7 @@
           <a:p>
             <a:fld id="{87DE6118-2437-4B30-8E3C-4D2BE6020583}" type="datetimeFigureOut">
               <a:rPr lang="en-US" dirty="0"/>
-              <a:t>6/13/20</a:t>
+              <a:t>6/15/20</a:t>
             </a:fld>
             <a:endParaRPr lang="en-US" dirty="0"/>
           </a:p>
@@ -2630,7 +2635,7 @@
             <a:fld id="{87DE6118-2437-4B30-8E3C-4D2BE6020583}" type="datetimeFigureOut">
               <a:rPr lang="en-US" dirty="0"/>
               <a:pPr/>
-              <a:t>6/13/20</a:t>
+              <a:t>6/15/20</a:t>
             </a:fld>
             <a:endParaRPr lang="en-US" dirty="0"/>
           </a:p>
@@ -3015,7 +3020,7 @@
             <a:fld id="{87DE6118-2437-4B30-8E3C-4D2BE6020583}" type="datetimeFigureOut">
               <a:rPr lang="en-US" dirty="0"/>
               <a:pPr/>
-              <a:t>6/13/20</a:t>
+              <a:t>6/15/20</a:t>
             </a:fld>
             <a:endParaRPr lang="en-US" dirty="0"/>
           </a:p>
@@ -3290,7 +3295,7 @@
             <a:fld id="{87DE6118-2437-4B30-8E3C-4D2BE6020583}" type="datetimeFigureOut">
               <a:rPr lang="en-US" dirty="0"/>
               <a:pPr/>
-              <a:t>6/13/20</a:t>
+              <a:t>6/15/20</a:t>
             </a:fld>
             <a:endParaRPr lang="en-US" dirty="0"/>
           </a:p>
@@ -5498,103 +5503,95 @@
             <a:pPr lvl="2"/>
             <a:r>
               <a:rPr lang="en-US" sz="1200" dirty="0"/>
-              <a:t>if((x &gt; y) and (x &gt; </a:t>
+              <a:t>if(x &gt; y){</a:t>
+            </a:r>
+          </a:p>
+          <a:p>
+            <a:pPr lvl="3"/>
+            <a:r>
+              <a:rPr lang="en-US" sz="1200" dirty="0"/>
+              <a:t>print(x);</a:t>
+            </a:r>
+          </a:p>
+          <a:p>
+            <a:pPr lvl="3"/>
+            <a:r>
+              <a:rPr lang="en-US" sz="1200" dirty="0"/>
+              <a:t>return x;</a:t>
+            </a:r>
+          </a:p>
+          <a:p>
+            <a:pPr lvl="2"/>
+            <a:r>
+              <a:rPr lang="en-US" sz="1200" dirty="0"/>
+              <a:t>}</a:t>
+            </a:r>
+          </a:p>
+          <a:p>
+            <a:pPr lvl="2"/>
+            <a:r>
+              <a:rPr lang="en-US" sz="1200" dirty="0"/>
+              <a:t>else{</a:t>
+            </a:r>
+          </a:p>
+          <a:p>
+            <a:pPr lvl="3"/>
+            <a:r>
+              <a:rPr lang="en-US" sz="1200" dirty="0"/>
+              <a:t>print(y);</a:t>
+            </a:r>
+          </a:p>
+          <a:p>
+            <a:pPr lvl="3"/>
+            <a:r>
+              <a:rPr lang="en-US" sz="1200" dirty="0"/>
+              <a:t>return y;</a:t>
+            </a:r>
+          </a:p>
+          <a:p>
+            <a:pPr lvl="2"/>
+            <a:r>
+              <a:rPr lang="en-US" sz="1200" dirty="0"/>
+              <a:t>}</a:t>
+            </a:r>
+          </a:p>
+          <a:p>
+            <a:pPr lvl="1"/>
+            <a:r>
+              <a:rPr lang="en-US" sz="1200" dirty="0"/>
+              <a:t>}</a:t>
+            </a:r>
+          </a:p>
+          <a:p>
+            <a:pPr lvl="1"/>
+            <a:r>
+              <a:rPr lang="en-US" sz="1200" dirty="0"/>
+              <a:t>int a = 5;</a:t>
+            </a:r>
+          </a:p>
+          <a:p>
+            <a:pPr lvl="1"/>
+            <a:r>
+              <a:rPr lang="en-US" sz="1200" dirty="0"/>
+              <a:t>int b = 6;</a:t>
+            </a:r>
+          </a:p>
+          <a:p>
+            <a:pPr lvl="1"/>
+            <a:r>
+              <a:rPr lang="en-US" sz="1200" dirty="0"/>
+              <a:t>int c = 7;</a:t>
+            </a:r>
+          </a:p>
+          <a:p>
+            <a:pPr lvl="1"/>
+            <a:r>
+              <a:rPr lang="en-US" sz="1200" dirty="0"/>
+              <a:t>int </a:t>
             </a:r>
             <a:r>
               <a:rPr lang="en-US" sz="1200" dirty="0" err="1"/>
-              <a:t>x+y</a:t>
-            </a:r>
-            <a:r>
-              <a:rPr lang="en-US" sz="1200" dirty="0"/>
-              <a:t>) or (x &gt; y-x)){</a:t>
-            </a:r>
-          </a:p>
-          <a:p>
-            <a:pPr lvl="3"/>
-            <a:r>
-              <a:rPr lang="en-US" sz="1200" dirty="0"/>
-              <a:t>print(x);</a:t>
-            </a:r>
-          </a:p>
-          <a:p>
-            <a:pPr lvl="3"/>
-            <a:r>
-              <a:rPr lang="en-US" sz="1200" dirty="0"/>
-              <a:t>return x;</a:t>
-            </a:r>
-          </a:p>
-          <a:p>
-            <a:pPr lvl="2"/>
-            <a:r>
-              <a:rPr lang="en-US" sz="1200" dirty="0"/>
-              <a:t>}</a:t>
-            </a:r>
-          </a:p>
-          <a:p>
-            <a:pPr lvl="2"/>
-            <a:r>
-              <a:rPr lang="en-US" sz="1200" dirty="0"/>
-              <a:t>else{</a:t>
-            </a:r>
-          </a:p>
-          <a:p>
-            <a:pPr lvl="3"/>
-            <a:r>
-              <a:rPr lang="en-US" sz="1200" dirty="0"/>
-              <a:t>print(y);</a:t>
-            </a:r>
-          </a:p>
-          <a:p>
-            <a:pPr lvl="3"/>
-            <a:r>
-              <a:rPr lang="en-US" sz="1200" dirty="0"/>
-              <a:t>return y;</a:t>
-            </a:r>
-          </a:p>
-          <a:p>
-            <a:pPr lvl="2"/>
-            <a:r>
-              <a:rPr lang="en-US" sz="1200" dirty="0"/>
-              <a:t>}</a:t>
-            </a:r>
-          </a:p>
-          <a:p>
-            <a:pPr lvl="1"/>
-            <a:r>
-              <a:rPr lang="en-US" sz="1200" dirty="0"/>
-              <a:t>}</a:t>
-            </a:r>
-          </a:p>
-          <a:p>
-            <a:pPr lvl="1"/>
-            <a:r>
-              <a:rPr lang="en-US" sz="1200" dirty="0"/>
-              <a:t>int a = 5;</a:t>
-            </a:r>
-          </a:p>
-          <a:p>
-            <a:pPr lvl="1"/>
-            <a:r>
-              <a:rPr lang="en-US" sz="1200" dirty="0"/>
-              <a:t>int b = 6;</a:t>
-            </a:r>
-          </a:p>
-          <a:p>
-            <a:pPr lvl="1"/>
-            <a:r>
-              <a:rPr lang="en-US" sz="1200" dirty="0"/>
-              <a:t>int c = 7;</a:t>
-            </a:r>
-          </a:p>
-          <a:p>
-            <a:pPr lvl="1"/>
-            <a:r>
-              <a:rPr lang="en-US" sz="1200" dirty="0"/>
-              <a:t>int </a:t>
-            </a:r>
-            <a:r>
-              <a:rPr lang="en-US" sz="1200" dirty="0" err="1"/>
-              <a:t>return_val</a:t>
+              <a:t>returnval</a:t>
             </a:r>
             <a:r>
               <a:rPr lang="en-US" sz="1200" dirty="0"/>
@@ -5617,7 +5614,7 @@
             </a:r>
             <a:r>
               <a:rPr lang="en-US" sz="1200" dirty="0" err="1"/>
-              <a:t>return_val</a:t>
+              <a:t>returnval</a:t>
             </a:r>
             <a:r>
               <a:rPr lang="en-US" sz="1200" dirty="0"/>
